--- a/Shared/[패스트캠퍼스] 8강의자료_김경원박사.pptx
+++ b/Shared/[패스트캠퍼스] 8강의자료_김경원박사.pptx
@@ -12,8 +12,8 @@
   </p:handoutMasterIdLst>
   <p:sldIdLst>
     <p:sldId id="1063" r:id="rId2"/>
-    <p:sldId id="1103" r:id="rId3"/>
-    <p:sldId id="1142" r:id="rId4"/>
+    <p:sldId id="1142" r:id="rId3"/>
+    <p:sldId id="1103" r:id="rId4"/>
     <p:sldId id="1224" r:id="rId5"/>
     <p:sldId id="1210" r:id="rId6"/>
     <p:sldId id="1217" r:id="rId7"/>
@@ -267,7 +267,7 @@
           <a:p>
             <a:fld id="{FC718EE8-BF93-4A17-BED5-FC99EECA5FC7}" type="datetimeFigureOut">
               <a:rPr lang="ko-KR" altLang="en-US" smtClean="0"/>
-              <a:t>2019-04-10</a:t>
+              <a:t>2019-07-15</a:t>
             </a:fld>
             <a:endParaRPr lang="ko-KR" altLang="en-US"/>
           </a:p>
@@ -432,7 +432,7 @@
           <a:p>
             <a:fld id="{6101F873-BA02-446B-9127-C4DE4310B943}" type="datetimeFigureOut">
               <a:rPr lang="ko-KR" altLang="en-US" smtClean="0"/>
-              <a:t>2019-04-10</a:t>
+              <a:t>2019-07-15</a:t>
             </a:fld>
             <a:endParaRPr lang="ko-KR" altLang="en-US"/>
           </a:p>
@@ -764,7 +764,7 @@
           <a:p>
             <a:fld id="{C191BC67-C438-4515-9D3F-F10D40F1354A}" type="slidenum">
               <a:rPr lang="ko-KR" altLang="en-US" smtClean="0"/>
-              <a:t>3</a:t>
+              <a:t>2</a:t>
             </a:fld>
             <a:endParaRPr lang="ko-KR" altLang="en-US"/>
           </a:p>
@@ -962,7 +962,7 @@
           <a:p>
             <a:fld id="{89B5E594-86C5-4F1D-8812-38DF40064943}" type="datetime1">
               <a:rPr lang="ko-KR" altLang="en-US" smtClean="0"/>
-              <a:t>2019-04-10</a:t>
+              <a:t>2019-07-15</a:t>
             </a:fld>
             <a:endParaRPr lang="ko-KR" altLang="en-US"/>
           </a:p>
@@ -1170,7 +1170,7 @@
           <a:p>
             <a:fld id="{05C0B17C-522D-4CD8-8139-01EDEBAB2AF6}" type="datetime1">
               <a:rPr lang="ko-KR" altLang="en-US" smtClean="0"/>
-              <a:t>2019-04-10</a:t>
+              <a:t>2019-07-15</a:t>
             </a:fld>
             <a:endParaRPr lang="ko-KR" altLang="en-US"/>
           </a:p>
@@ -1348,7 +1348,7 @@
           <a:p>
             <a:fld id="{7345261C-38F3-40E7-AAA6-CE27B727AA65}" type="datetime1">
               <a:rPr lang="ko-KR" altLang="en-US" smtClean="0"/>
-              <a:t>2019-04-10</a:t>
+              <a:t>2019-07-15</a:t>
             </a:fld>
             <a:endParaRPr lang="ko-KR" altLang="en-US"/>
           </a:p>
@@ -1516,7 +1516,7 @@
           <a:p>
             <a:fld id="{A8472951-AD8C-47B8-8787-30E2F4BFA1EA}" type="datetime1">
               <a:rPr lang="ko-KR" altLang="en-US" smtClean="0"/>
-              <a:t>2019-04-10</a:t>
+              <a:t>2019-07-15</a:t>
             </a:fld>
             <a:endParaRPr lang="ko-KR" altLang="en-US"/>
           </a:p>
@@ -1771,7 +1771,7 @@
           <a:p>
             <a:fld id="{8BCB1BBF-13D1-46E6-8B8B-C9F26A0BAD91}" type="datetime1">
               <a:rPr lang="ko-KR" altLang="en-US" smtClean="0"/>
-              <a:t>2019-04-10</a:t>
+              <a:t>2019-07-15</a:t>
             </a:fld>
             <a:endParaRPr lang="ko-KR" altLang="en-US"/>
           </a:p>
@@ -2056,7 +2056,7 @@
           <a:p>
             <a:fld id="{B16FDC3D-FD6A-49DF-B101-11717D57279F}" type="datetime1">
               <a:rPr lang="ko-KR" altLang="en-US" smtClean="0"/>
-              <a:t>2019-04-10</a:t>
+              <a:t>2019-07-15</a:t>
             </a:fld>
             <a:endParaRPr lang="ko-KR" altLang="en-US"/>
           </a:p>
@@ -2475,7 +2475,7 @@
           <a:p>
             <a:fld id="{42D411A2-FD90-4A19-98A8-25197A66BC26}" type="datetime1">
               <a:rPr lang="ko-KR" altLang="en-US" smtClean="0"/>
-              <a:t>2019-04-10</a:t>
+              <a:t>2019-07-15</a:t>
             </a:fld>
             <a:endParaRPr lang="ko-KR" altLang="en-US"/>
           </a:p>
@@ -2592,7 +2592,7 @@
           <a:p>
             <a:fld id="{F6E6B532-6471-449A-9A2F-4428556C2F98}" type="datetime1">
               <a:rPr lang="ko-KR" altLang="en-US" smtClean="0"/>
-              <a:t>2019-04-10</a:t>
+              <a:t>2019-07-15</a:t>
             </a:fld>
             <a:endParaRPr lang="ko-KR" altLang="en-US"/>
           </a:p>
@@ -2687,7 +2687,7 @@
           <a:p>
             <a:fld id="{45A9E13B-856D-4562-A86D-A2B6F7BF810F}" type="datetime1">
               <a:rPr lang="ko-KR" altLang="en-US" smtClean="0"/>
-              <a:t>2019-04-10</a:t>
+              <a:t>2019-07-15</a:t>
             </a:fld>
             <a:endParaRPr lang="ko-KR" altLang="en-US"/>
           </a:p>
@@ -2962,7 +2962,7 @@
           <a:p>
             <a:fld id="{A672FB3A-7E9E-4380-9381-6FCA87FBB41A}" type="datetime1">
               <a:rPr lang="ko-KR" altLang="en-US" smtClean="0"/>
-              <a:t>2019-04-10</a:t>
+              <a:t>2019-07-15</a:t>
             </a:fld>
             <a:endParaRPr lang="ko-KR" altLang="en-US"/>
           </a:p>
@@ -3214,7 +3214,7 @@
           <a:p>
             <a:fld id="{3948CCBA-1514-4E9E-888A-807450F810B0}" type="datetime1">
               <a:rPr lang="ko-KR" altLang="en-US" smtClean="0"/>
-              <a:t>2019-04-10</a:t>
+              <a:t>2019-07-15</a:t>
             </a:fld>
             <a:endParaRPr lang="ko-KR" altLang="en-US"/>
           </a:p>
@@ -3427,7 +3427,7 @@
           <a:p>
             <a:fld id="{170EDEE7-370E-499F-B978-ABF387098974}" type="datetime1">
               <a:rPr lang="ko-KR" altLang="en-US" smtClean="0"/>
-              <a:t>2019-04-10</a:t>
+              <a:t>2019-07-15</a:t>
             </a:fld>
             <a:endParaRPr lang="ko-KR" altLang="en-US" dirty="0"/>
           </a:p>
@@ -3843,14 +3843,20 @@
       </p:grpSpPr>
       <p:sp>
         <p:nvSpPr>
-          <p:cNvPr id="4" name="TextBox 3"/>
+          <p:cNvPr id="5" name="TextBox 4">
+            <a:extLst>
+              <a:ext uri="{FF2B5EF4-FFF2-40B4-BE49-F238E27FC236}">
+                <a16:creationId xmlns:a16="http://schemas.microsoft.com/office/drawing/2014/main" id="{364AB666-1C38-44E0-8161-BB4146B403E6}"/>
+              </a:ext>
+            </a:extLst>
+          </p:cNvPr>
           <p:cNvSpPr txBox="1"/>
           <p:nvPr/>
         </p:nvSpPr>
         <p:spPr>
           <a:xfrm>
-            <a:off x="895549" y="1835358"/>
-            <a:ext cx="10283475" cy="973636"/>
+            <a:off x="643521" y="1620069"/>
+            <a:ext cx="10873208" cy="2881851"/>
           </a:xfrm>
           <a:prstGeom prst="rect">
             <a:avLst/>
@@ -3863,159 +3869,116 @@
           </a:bodyPr>
           <a:lstStyle/>
           <a:p>
-            <a:r>
-              <a:rPr lang="en-US" altLang="ko-KR" sz="2800" dirty="0">
+            <a:pPr algn="ctr"/>
+            <a:r>
+              <a:rPr lang="en-US" altLang="ko-KR" sz="3600" dirty="0">
                 <a:latin typeface="Noto Sans CJK KR Black" pitchFamily="34" charset="-127"/>
                 <a:ea typeface="Noto Sans CJK KR Black" pitchFamily="34" charset="-127"/>
               </a:rPr>
-              <a:t>Part3. </a:t>
-            </a:r>
-            <a:r>
-              <a:rPr lang="ko-KR" altLang="en-US" sz="2800" dirty="0">
+              <a:t>Chapter 3.</a:t>
+            </a:r>
+          </a:p>
+          <a:p>
+            <a:pPr algn="ctr"/>
+            <a:r>
+              <a:rPr lang="en-US" altLang="ko-KR" sz="3600" dirty="0">
                 <a:latin typeface="Noto Sans CJK KR Black" pitchFamily="34" charset="-127"/>
                 <a:ea typeface="Noto Sans CJK KR Black" pitchFamily="34" charset="-127"/>
               </a:rPr>
-              <a:t>선형</a:t>
-            </a:r>
-            <a:r>
-              <a:rPr lang="en-US" altLang="ko-KR" sz="2800" dirty="0">
+              <a:t> </a:t>
+            </a:r>
+          </a:p>
+          <a:p>
+            <a:pPr algn="ctr"/>
+            <a:r>
+              <a:rPr lang="ko-KR" altLang="en-US" sz="3600" dirty="0" err="1">
                 <a:latin typeface="Noto Sans CJK KR Black" pitchFamily="34" charset="-127"/>
                 <a:ea typeface="Noto Sans CJK KR Black" pitchFamily="34" charset="-127"/>
               </a:rPr>
-              <a:t>/</a:t>
-            </a:r>
-            <a:r>
-              <a:rPr lang="ko-KR" altLang="en-US" sz="2800" dirty="0">
+              <a:t>머신러닝</a:t>
+            </a:r>
+            <a:r>
+              <a:rPr lang="ko-KR" altLang="en-US" sz="3600" dirty="0">
                 <a:latin typeface="Noto Sans CJK KR Black" pitchFamily="34" charset="-127"/>
                 <a:ea typeface="Noto Sans CJK KR Black" pitchFamily="34" charset="-127"/>
               </a:rPr>
-              <a:t>비선형</a:t>
-            </a:r>
-            <a:r>
-              <a:rPr lang="en-US" altLang="ko-KR" sz="2800" dirty="0">
-                <a:latin typeface="Noto Sans CJK KR Black" pitchFamily="34" charset="-127"/>
-                <a:ea typeface="Noto Sans CJK KR Black" pitchFamily="34" charset="-127"/>
-              </a:rPr>
-              <a:t>/</a:t>
-            </a:r>
-            <a:r>
-              <a:rPr lang="ko-KR" altLang="en-US" sz="2800" dirty="0" err="1">
-                <a:latin typeface="Noto Sans CJK KR Black" pitchFamily="34" charset="-127"/>
-                <a:ea typeface="Noto Sans CJK KR Black" pitchFamily="34" charset="-127"/>
-              </a:rPr>
-              <a:t>다변량</a:t>
-            </a:r>
-            <a:r>
-              <a:rPr lang="ko-KR" altLang="en-US" sz="2800" dirty="0">
-                <a:latin typeface="Noto Sans CJK KR Black" pitchFamily="34" charset="-127"/>
-                <a:ea typeface="Noto Sans CJK KR Black" pitchFamily="34" charset="-127"/>
-              </a:rPr>
-              <a:t> 시계열 모델 이해</a:t>
-            </a:r>
-            <a:endParaRPr lang="en-US" altLang="ko-KR" sz="2800" dirty="0">
+              <a:t> 모형 비교를 통한 </a:t>
+            </a:r>
+            <a:endParaRPr lang="en-US" altLang="ko-KR" sz="3600" dirty="0">
               <a:latin typeface="Noto Sans CJK KR Black" pitchFamily="34" charset="-127"/>
               <a:ea typeface="Noto Sans CJK KR Black" pitchFamily="34" charset="-127"/>
             </a:endParaRPr>
           </a:p>
           <a:p>
-            <a:pPr marL="685800" indent="-685800">
-              <a:buFontTx/>
-              <a:buChar char="-"/>
-            </a:pPr>
-            <a:r>
-              <a:rPr lang="en-US" altLang="ko-KR" sz="2800" dirty="0">
+            <a:pPr algn="ctr"/>
+            <a:r>
+              <a:rPr lang="ko-KR" altLang="en-US" sz="3600" dirty="0">
                 <a:latin typeface="Noto Sans CJK KR Black" pitchFamily="34" charset="-127"/>
                 <a:ea typeface="Noto Sans CJK KR Black" pitchFamily="34" charset="-127"/>
               </a:rPr>
-              <a:t>7</a:t>
-            </a:r>
-            <a:r>
-              <a:rPr lang="ko-KR" altLang="en-US" sz="2800" dirty="0" err="1">
-                <a:latin typeface="Noto Sans CJK KR Black" pitchFamily="34" charset="-127"/>
-                <a:ea typeface="Noto Sans CJK KR Black" pitchFamily="34" charset="-127"/>
-              </a:rPr>
-              <a:t>회차</a:t>
-            </a:r>
-            <a:r>
-              <a:rPr lang="en-US" altLang="ko-KR" sz="2800" dirty="0">
-                <a:latin typeface="Noto Sans CJK KR Black" pitchFamily="34" charset="-127"/>
-                <a:ea typeface="Noto Sans CJK KR Black" pitchFamily="34" charset="-127"/>
-              </a:rPr>
-              <a:t>: </a:t>
-            </a:r>
-            <a:r>
-              <a:rPr lang="ko-KR" altLang="en-US" sz="2800" dirty="0">
-                <a:latin typeface="Noto Sans CJK KR Black" pitchFamily="34" charset="-127"/>
-                <a:ea typeface="Noto Sans CJK KR Black" pitchFamily="34" charset="-127"/>
-              </a:rPr>
-              <a:t>시계열 </a:t>
-            </a:r>
-            <a:r>
-              <a:rPr lang="en-US" altLang="ko-KR" sz="2800" dirty="0">
-                <a:latin typeface="Noto Sans CJK KR Black" pitchFamily="34" charset="-127"/>
-                <a:ea typeface="Noto Sans CJK KR Black" pitchFamily="34" charset="-127"/>
-              </a:rPr>
-              <a:t>“</a:t>
-            </a:r>
-            <a:r>
-              <a:rPr lang="ko-KR" altLang="en-US" sz="2800" dirty="0">
-                <a:latin typeface="Noto Sans CJK KR Black" pitchFamily="34" charset="-127"/>
-                <a:ea typeface="Noto Sans CJK KR Black" pitchFamily="34" charset="-127"/>
-              </a:rPr>
-              <a:t>비선형</a:t>
-            </a:r>
-            <a:r>
-              <a:rPr lang="en-US" altLang="ko-KR" sz="2800" dirty="0">
-                <a:latin typeface="Noto Sans CJK KR Black" pitchFamily="34" charset="-127"/>
-                <a:ea typeface="Noto Sans CJK KR Black" pitchFamily="34" charset="-127"/>
-              </a:rPr>
-              <a:t>/</a:t>
-            </a:r>
-            <a:r>
-              <a:rPr lang="ko-KR" altLang="en-US" sz="2800" dirty="0" err="1">
-                <a:latin typeface="Noto Sans CJK KR Black" pitchFamily="34" charset="-127"/>
-                <a:ea typeface="Noto Sans CJK KR Black" pitchFamily="34" charset="-127"/>
-              </a:rPr>
-              <a:t>다변량</a:t>
-            </a:r>
-            <a:r>
-              <a:rPr lang="ko-KR" altLang="en-US" sz="2800" dirty="0">
-                <a:latin typeface="Noto Sans CJK KR Black" pitchFamily="34" charset="-127"/>
-                <a:ea typeface="Noto Sans CJK KR Black" pitchFamily="34" charset="-127"/>
-              </a:rPr>
-              <a:t> 시계열분석</a:t>
-            </a:r>
-            <a:r>
-              <a:rPr lang="en-US" altLang="ko-KR" sz="2800" dirty="0">
-                <a:latin typeface="Noto Sans CJK KR Black" pitchFamily="34" charset="-127"/>
-                <a:ea typeface="Noto Sans CJK KR Black" pitchFamily="34" charset="-127"/>
-              </a:rPr>
-              <a:t>”</a:t>
-            </a:r>
-            <a:r>
-              <a:rPr lang="ko-KR" altLang="en-US" sz="2800" dirty="0">
-                <a:latin typeface="Noto Sans CJK KR Black" pitchFamily="34" charset="-127"/>
-                <a:ea typeface="Noto Sans CJK KR Black" pitchFamily="34" charset="-127"/>
-              </a:rPr>
-              <a:t> 완성</a:t>
-            </a:r>
-            <a:endParaRPr lang="en-US" altLang="ko-KR" sz="2800" dirty="0">
+              <a:t>시계열 모형 이해 및 적용하기</a:t>
+            </a:r>
+            <a:endParaRPr lang="en-US" altLang="ko-KR" sz="3600" dirty="0">
               <a:latin typeface="Noto Sans CJK KR Black" pitchFamily="34" charset="-127"/>
               <a:ea typeface="Noto Sans CJK KR Black" pitchFamily="34" charset="-127"/>
             </a:endParaRPr>
           </a:p>
-        </p:txBody>
-      </p:sp>
-      <p:sp>
-        <p:nvSpPr>
-          <p:cNvPr id="7" name="TextBox 6"/>
+          <a:p>
+            <a:pPr algn="ctr"/>
+            <a:r>
+              <a:rPr lang="en-US" altLang="ko-KR" sz="3600" dirty="0">
+                <a:latin typeface="Noto Sans CJK KR Black" pitchFamily="34" charset="-127"/>
+                <a:ea typeface="Noto Sans CJK KR Black" pitchFamily="34" charset="-127"/>
+              </a:rPr>
+              <a:t>(</a:t>
+            </a:r>
+            <a:r>
+              <a:rPr lang="ko-KR" altLang="en-US" sz="3600" dirty="0">
+                <a:latin typeface="Noto Sans CJK KR Black" pitchFamily="34" charset="-127"/>
+                <a:ea typeface="Noto Sans CJK KR Black" pitchFamily="34" charset="-127"/>
+              </a:rPr>
+              <a:t>총</a:t>
+            </a:r>
+            <a:r>
+              <a:rPr lang="en-US" altLang="ko-KR" sz="3600" dirty="0">
+                <a:latin typeface="Noto Sans CJK KR Black" pitchFamily="34" charset="-127"/>
+                <a:ea typeface="Noto Sans CJK KR Black" pitchFamily="34" charset="-127"/>
+              </a:rPr>
+              <a:t>4</a:t>
+            </a:r>
+            <a:r>
+              <a:rPr lang="ko-KR" altLang="en-US" sz="3600" dirty="0">
+                <a:latin typeface="Noto Sans CJK KR Black" pitchFamily="34" charset="-127"/>
+                <a:ea typeface="Noto Sans CJK KR Black" pitchFamily="34" charset="-127"/>
+              </a:rPr>
+              <a:t>주</a:t>
+            </a:r>
+            <a:r>
+              <a:rPr lang="en-US" altLang="ko-KR" sz="3600" dirty="0">
+                <a:latin typeface="Noto Sans CJK KR Black" pitchFamily="34" charset="-127"/>
+                <a:ea typeface="Noto Sans CJK KR Black" pitchFamily="34" charset="-127"/>
+              </a:rPr>
+              <a:t>)</a:t>
+            </a:r>
+          </a:p>
+        </p:txBody>
+      </p:sp>
+      <p:sp>
+        <p:nvSpPr>
+          <p:cNvPr id="6" name="TextBox 5">
+            <a:extLst>
+              <a:ext uri="{FF2B5EF4-FFF2-40B4-BE49-F238E27FC236}">
+                <a16:creationId xmlns:a16="http://schemas.microsoft.com/office/drawing/2014/main" id="{DC18E95D-4A81-4D4A-8FBA-53BACA1DEB3E}"/>
+              </a:ext>
+            </a:extLst>
+          </p:cNvPr>
           <p:cNvSpPr txBox="1"/>
           <p:nvPr/>
         </p:nvSpPr>
         <p:spPr>
           <a:xfrm>
-            <a:off x="1047949" y="4081911"/>
-            <a:ext cx="10131075" cy="850526"/>
+            <a:off x="1047949" y="4883291"/>
+            <a:ext cx="10131075" cy="481194"/>
           </a:xfrm>
           <a:prstGeom prst="rect">
             <a:avLst/>
@@ -4027,16 +3990,6 @@
             <a:spAutoFit/>
           </a:bodyPr>
           <a:lstStyle/>
-          <a:p>
-            <a:pPr algn="r"/>
-            <a:r>
-              <a:rPr lang="en-US" altLang="ko-KR" sz="2400" dirty="0">
-                <a:latin typeface="Noto Sans CJK KR Medium" pitchFamily="34" charset="-127"/>
-                <a:ea typeface="Noto Sans CJK KR Medium" pitchFamily="34" charset="-127"/>
-              </a:rPr>
-              <a:t>2019.04.13.</a:t>
-            </a:r>
-          </a:p>
           <a:p>
             <a:pPr algn="r"/>
             <a:r>
@@ -4561,13 +4514,13 @@
         </p:spPr>
         <p:txBody>
           <a:bodyPr>
-            <a:normAutofit fontScale="90000"/>
+            <a:noAutofit/>
           </a:bodyPr>
           <a:lstStyle/>
           <a:p>
             <a:pPr algn="l"/>
             <a:r>
-              <a:rPr lang="en-US" altLang="ko-KR" sz="4400" dirty="0">
+              <a:rPr lang="en-US" altLang="ko-KR" sz="3600" dirty="0">
                 <a:solidFill>
                   <a:schemeClr val="tx1">
                     <a:lumMod val="75000"/>
@@ -4580,7 +4533,7 @@
               <a:t>1. </a:t>
             </a:r>
             <a:r>
-              <a:rPr lang="ko-KR" altLang="en-US" sz="4400" dirty="0">
+              <a:rPr lang="ko-KR" altLang="en-US" sz="3600" dirty="0">
                 <a:solidFill>
                   <a:schemeClr val="tx1">
                     <a:lumMod val="75000"/>
@@ -4593,7 +4546,7 @@
               <a:t>비선형 </a:t>
             </a:r>
             <a:br>
-              <a:rPr lang="en-US" altLang="ko-KR" sz="4400" dirty="0">
+              <a:rPr lang="en-US" altLang="ko-KR" sz="3600" dirty="0">
                 <a:solidFill>
                   <a:schemeClr val="tx1">
                     <a:lumMod val="75000"/>
@@ -4605,7 +4558,7 @@
               </a:rPr>
             </a:br>
             <a:r>
-              <a:rPr lang="ko-KR" altLang="en-US" sz="4400" dirty="0">
+              <a:rPr lang="ko-KR" altLang="en-US" sz="3600" dirty="0">
                 <a:solidFill>
                   <a:schemeClr val="tx1">
                     <a:lumMod val="75000"/>
@@ -4617,7 +4570,7 @@
               </a:rPr>
               <a:t>시계열 알고리즘</a:t>
             </a:r>
-            <a:endParaRPr lang="ko-KR" altLang="en-US" sz="4400" dirty="0">
+            <a:endParaRPr lang="ko-KR" altLang="en-US" sz="3600" dirty="0">
               <a:solidFill>
                 <a:schemeClr val="tx1">
                   <a:lumMod val="75000"/>
@@ -5612,6 +5565,16 @@
 <file path=ppt/slides/slide2.xml><?xml version="1.0" encoding="utf-8"?>
 <p:sld xmlns:a="http://schemas.openxmlformats.org/drawingml/2006/main" xmlns:r="http://schemas.openxmlformats.org/officeDocument/2006/relationships" xmlns:p="http://schemas.openxmlformats.org/presentationml/2006/main">
   <p:cSld>
+    <p:bg>
+      <p:bgPr>
+        <a:solidFill>
+          <a:schemeClr val="bg1">
+            <a:lumMod val="65000"/>
+          </a:schemeClr>
+        </a:solidFill>
+        <a:effectLst/>
+      </p:bgPr>
+    </p:bg>
     <p:spTree>
       <p:nvGrpSpPr>
         <p:cNvPr id="1" name=""/>
@@ -5628,96 +5591,13 @@
       </p:grpSpPr>
       <p:sp>
         <p:nvSpPr>
-          <p:cNvPr id="5" name="제목 4"/>
-          <p:cNvSpPr>
-            <a:spLocks noGrp="1"/>
-          </p:cNvSpPr>
-          <p:nvPr>
-            <p:ph type="title"/>
-          </p:nvPr>
-        </p:nvSpPr>
-        <p:spPr>
-          <a:xfrm>
-            <a:off x="608016" y="551987"/>
-            <a:ext cx="10944225" cy="1140090"/>
-          </a:xfrm>
-        </p:spPr>
-        <p:txBody>
-          <a:bodyPr>
-            <a:normAutofit/>
-          </a:bodyPr>
-          <a:lstStyle/>
-          <a:p>
-            <a:pPr algn="l"/>
-            <a:r>
-              <a:rPr lang="ko-KR" altLang="en-US" sz="4400" dirty="0">
-                <a:solidFill>
-                  <a:schemeClr val="tx1">
-                    <a:lumMod val="75000"/>
-                    <a:lumOff val="25000"/>
-                  </a:schemeClr>
-                </a:solidFill>
-                <a:latin typeface="Noto Sans CJK KR Black" pitchFamily="34" charset="-127"/>
-                <a:ea typeface="Noto Sans CJK KR Black" pitchFamily="34" charset="-127"/>
-              </a:rPr>
-              <a:t>강의순서</a:t>
-            </a:r>
-            <a:r>
-              <a:rPr lang="en-US" altLang="ko-KR" sz="4400" dirty="0">
-                <a:solidFill>
-                  <a:schemeClr val="tx1">
-                    <a:lumMod val="75000"/>
-                    <a:lumOff val="25000"/>
-                  </a:schemeClr>
-                </a:solidFill>
-                <a:latin typeface="Noto Sans CJK KR Black" pitchFamily="34" charset="-127"/>
-                <a:ea typeface="Noto Sans CJK KR Black" pitchFamily="34" charset="-127"/>
-              </a:rPr>
-              <a:t>(Part3: 8</a:t>
-            </a:r>
-            <a:r>
-              <a:rPr lang="ko-KR" altLang="en-US" sz="4400" dirty="0" err="1">
-                <a:solidFill>
-                  <a:schemeClr val="tx1">
-                    <a:lumMod val="75000"/>
-                    <a:lumOff val="25000"/>
-                  </a:schemeClr>
-                </a:solidFill>
-                <a:latin typeface="Noto Sans CJK KR Black" pitchFamily="34" charset="-127"/>
-                <a:ea typeface="Noto Sans CJK KR Black" pitchFamily="34" charset="-127"/>
-              </a:rPr>
-              <a:t>회차</a:t>
-            </a:r>
-            <a:r>
-              <a:rPr lang="en-US" altLang="ko-KR" sz="4400" dirty="0">
-                <a:solidFill>
-                  <a:schemeClr val="tx1">
-                    <a:lumMod val="75000"/>
-                    <a:lumOff val="25000"/>
-                  </a:schemeClr>
-                </a:solidFill>
-                <a:latin typeface="Noto Sans CJK KR Black" pitchFamily="34" charset="-127"/>
-                <a:ea typeface="Noto Sans CJK KR Black" pitchFamily="34" charset="-127"/>
-              </a:rPr>
-              <a:t>)</a:t>
-            </a:r>
-            <a:r>
-              <a:rPr lang="ko-KR" altLang="en-US" sz="4400" dirty="0">
-                <a:solidFill>
-                  <a:schemeClr val="tx1">
-                    <a:lumMod val="75000"/>
-                    <a:lumOff val="25000"/>
-                  </a:schemeClr>
-                </a:solidFill>
-              </a:rPr>
-              <a:t> </a:t>
-            </a:r>
-          </a:p>
-        </p:txBody>
-      </p:sp>
-      <p:sp>
-        <p:nvSpPr>
-          <p:cNvPr id="15" name="슬라이드 번호 개체 틀 14"/>
+          <p:cNvPr id="5" name="슬라이드 번호 개체 틀 3">
+            <a:extLst>
+              <a:ext uri="{FF2B5EF4-FFF2-40B4-BE49-F238E27FC236}">
+                <a16:creationId xmlns:a16="http://schemas.microsoft.com/office/drawing/2014/main" id="{712EDB3D-AFBF-4514-A1F8-47CDB5052391}"/>
+              </a:ext>
+            </a:extLst>
+          </p:cNvPr>
           <p:cNvSpPr>
             <a:spLocks noGrp="1"/>
           </p:cNvSpPr>
@@ -5725,7 +5605,12 @@
             <p:ph type="sldNum" sz="quarter" idx="12"/>
           </p:nvPr>
         </p:nvSpPr>
-        <p:spPr/>
+        <p:spPr>
+          <a:xfrm>
+            <a:off x="9160679" y="6372598"/>
+            <a:ext cx="2837392" cy="364195"/>
+          </a:xfrm>
+        </p:spPr>
         <p:txBody>
           <a:bodyPr/>
           <a:lstStyle/>
@@ -5739,40 +5624,203 @@
           </a:p>
         </p:txBody>
       </p:sp>
-      <p:pic>
-        <p:nvPicPr>
-          <p:cNvPr id="3" name="그림 2">
+      <p:sp>
+        <p:nvSpPr>
+          <p:cNvPr id="6" name="TextBox 5">
             <a:extLst>
               <a:ext uri="{FF2B5EF4-FFF2-40B4-BE49-F238E27FC236}">
-                <a16:creationId xmlns:a16="http://schemas.microsoft.com/office/drawing/2014/main" id="{2713C949-AD35-4B60-AAD5-0F5501388EE5}"/>
+                <a16:creationId xmlns:a16="http://schemas.microsoft.com/office/drawing/2014/main" id="{878D8CFD-3F58-4615-B42E-3680F892C36C}"/>
               </a:ext>
             </a:extLst>
           </p:cNvPr>
-          <p:cNvPicPr>
-            <a:picLocks noChangeAspect="1"/>
-          </p:cNvPicPr>
+          <p:cNvSpPr txBox="1"/>
           <p:nvPr/>
-        </p:nvPicPr>
-        <p:blipFill>
-          <a:blip r:embed="rId2"/>
-          <a:stretch>
-            <a:fillRect/>
-          </a:stretch>
-        </p:blipFill>
-        <p:spPr>
-          <a:xfrm>
-            <a:off x="4094162" y="1458913"/>
-            <a:ext cx="3971925" cy="5381625"/>
+        </p:nvSpPr>
+        <p:spPr>
+          <a:xfrm>
+            <a:off x="542135" y="855851"/>
+            <a:ext cx="11298630" cy="3016210"/>
           </a:xfrm>
           <a:prstGeom prst="rect">
             <a:avLst/>
           </a:prstGeom>
-        </p:spPr>
-      </p:pic>
+          <a:noFill/>
+        </p:spPr>
+        <p:txBody>
+          <a:bodyPr wrap="square" lIns="0" tIns="0" rIns="0" bIns="0" rtlCol="0" anchor="t">
+            <a:spAutoFit/>
+          </a:bodyPr>
+          <a:lstStyle/>
+          <a:p>
+            <a:r>
+              <a:rPr lang="en-US" altLang="ko-KR" sz="4400" dirty="0">
+                <a:solidFill>
+                  <a:schemeClr val="bg1"/>
+                </a:solidFill>
+                <a:latin typeface="Noto Sans CJK KR Black" panose="020B0A00000000000000" pitchFamily="34" charset="-127"/>
+                <a:ea typeface="Noto Sans CJK KR Black" panose="020B0A00000000000000" pitchFamily="34" charset="-127"/>
+              </a:rPr>
+              <a:t>8</a:t>
+            </a:r>
+            <a:r>
+              <a:rPr lang="ko-KR" altLang="en-US" sz="4400" dirty="0">
+                <a:solidFill>
+                  <a:schemeClr val="bg1"/>
+                </a:solidFill>
+                <a:latin typeface="Noto Sans CJK KR Black" panose="020B0A00000000000000" pitchFamily="34" charset="-127"/>
+                <a:ea typeface="Noto Sans CJK KR Black" panose="020B0A00000000000000" pitchFamily="34" charset="-127"/>
+              </a:rPr>
+              <a:t>주차 강의의 목적</a:t>
+            </a:r>
+            <a:endParaRPr lang="en-US" altLang="ko-KR" sz="4400" dirty="0">
+              <a:solidFill>
+                <a:schemeClr val="bg1"/>
+              </a:solidFill>
+              <a:latin typeface="Noto Sans CJK KR Black" panose="020B0A00000000000000" pitchFamily="34" charset="-127"/>
+              <a:ea typeface="Noto Sans CJK KR Black" panose="020B0A00000000000000" pitchFamily="34" charset="-127"/>
+            </a:endParaRPr>
+          </a:p>
+          <a:p>
+            <a:endParaRPr lang="en-US" altLang="ko-KR" sz="4400" dirty="0">
+              <a:solidFill>
+                <a:schemeClr val="bg1"/>
+              </a:solidFill>
+              <a:latin typeface="Noto Sans CJK KR Black" panose="020B0A00000000000000" pitchFamily="34" charset="-127"/>
+              <a:ea typeface="Noto Sans CJK KR Black" panose="020B0A00000000000000" pitchFamily="34" charset="-127"/>
+            </a:endParaRPr>
+          </a:p>
+          <a:p>
+            <a:endParaRPr lang="en-US" altLang="ko-KR" sz="4400" dirty="0">
+              <a:solidFill>
+                <a:schemeClr val="bg1"/>
+              </a:solidFill>
+              <a:latin typeface="Noto Sans CJK KR Black" panose="020B0A00000000000000" pitchFamily="34" charset="-127"/>
+              <a:ea typeface="Noto Sans CJK KR Black" panose="020B0A00000000000000" pitchFamily="34" charset="-127"/>
+            </a:endParaRPr>
+          </a:p>
+          <a:p>
+            <a:r>
+              <a:rPr lang="en-US" altLang="ko-KR" sz="3200" dirty="0">
+                <a:solidFill>
+                  <a:schemeClr val="bg1"/>
+                </a:solidFill>
+                <a:latin typeface="Noto Sans CJK KR Black" panose="020B0A00000000000000" pitchFamily="34" charset="-127"/>
+                <a:ea typeface="Noto Sans CJK KR Black" panose="020B0A00000000000000" pitchFamily="34" charset="-127"/>
+              </a:rPr>
+              <a:t>“</a:t>
+            </a:r>
+            <a:r>
+              <a:rPr lang="ko-KR" altLang="en-US" sz="3200" dirty="0">
+                <a:solidFill>
+                  <a:schemeClr val="bg1"/>
+                </a:solidFill>
+                <a:latin typeface="Noto Sans CJK KR Black" panose="020B0A00000000000000" pitchFamily="34" charset="-127"/>
+                <a:ea typeface="Noto Sans CJK KR Black" panose="020B0A00000000000000" pitchFamily="34" charset="-127"/>
+              </a:rPr>
+              <a:t>비선형 시계열 알고리즘</a:t>
+            </a:r>
+            <a:r>
+              <a:rPr lang="en-US" altLang="ko-KR" sz="3200" dirty="0">
+                <a:solidFill>
+                  <a:schemeClr val="bg1"/>
+                </a:solidFill>
+                <a:latin typeface="Noto Sans CJK KR Black" panose="020B0A00000000000000" pitchFamily="34" charset="-127"/>
+                <a:ea typeface="Noto Sans CJK KR Black" panose="020B0A00000000000000" pitchFamily="34" charset="-127"/>
+              </a:rPr>
+              <a:t>“</a:t>
+            </a:r>
+          </a:p>
+          <a:p>
+            <a:r>
+              <a:rPr lang="en-US" altLang="ko-KR" sz="3200" dirty="0">
+                <a:solidFill>
+                  <a:schemeClr val="bg1"/>
+                </a:solidFill>
+                <a:latin typeface="Noto Sans CJK KR Black" panose="020B0A00000000000000" pitchFamily="34" charset="-127"/>
+                <a:ea typeface="Noto Sans CJK KR Black" panose="020B0A00000000000000" pitchFamily="34" charset="-127"/>
+              </a:rPr>
+              <a:t>“</a:t>
+            </a:r>
+            <a:r>
+              <a:rPr lang="ko-KR" altLang="en-US" sz="3200" dirty="0" err="1">
+                <a:solidFill>
+                  <a:schemeClr val="bg1"/>
+                </a:solidFill>
+                <a:latin typeface="Noto Sans CJK KR Black" panose="020B0A00000000000000" pitchFamily="34" charset="-127"/>
+                <a:ea typeface="Noto Sans CJK KR Black" panose="020B0A00000000000000" pitchFamily="34" charset="-127"/>
+              </a:rPr>
+              <a:t>다변량</a:t>
+            </a:r>
+            <a:r>
+              <a:rPr lang="ko-KR" altLang="en-US" sz="3200" dirty="0">
+                <a:solidFill>
+                  <a:schemeClr val="bg1"/>
+                </a:solidFill>
+                <a:latin typeface="Noto Sans CJK KR Black" panose="020B0A00000000000000" pitchFamily="34" charset="-127"/>
+                <a:ea typeface="Noto Sans CJK KR Black" panose="020B0A00000000000000" pitchFamily="34" charset="-127"/>
+              </a:rPr>
+              <a:t> 시계열 알고리즘</a:t>
+            </a:r>
+            <a:r>
+              <a:rPr lang="en-US" altLang="ko-KR" sz="3200" dirty="0">
+                <a:solidFill>
+                  <a:schemeClr val="bg1"/>
+                </a:solidFill>
+                <a:latin typeface="Noto Sans CJK KR Black" panose="020B0A00000000000000" pitchFamily="34" charset="-127"/>
+                <a:ea typeface="Noto Sans CJK KR Black" panose="020B0A00000000000000" pitchFamily="34" charset="-127"/>
+              </a:rPr>
+              <a:t>“</a:t>
+            </a:r>
+          </a:p>
+        </p:txBody>
+      </p:sp>
+      <p:sp>
+        <p:nvSpPr>
+          <p:cNvPr id="7" name="TextBox 6">
+            <a:extLst>
+              <a:ext uri="{FF2B5EF4-FFF2-40B4-BE49-F238E27FC236}">
+                <a16:creationId xmlns:a16="http://schemas.microsoft.com/office/drawing/2014/main" id="{FDCEAFEA-D3D9-429F-B5CC-2BF161C59E85}"/>
+              </a:ext>
+            </a:extLst>
+          </p:cNvPr>
+          <p:cNvSpPr txBox="1"/>
+          <p:nvPr/>
+        </p:nvSpPr>
+        <p:spPr>
+          <a:xfrm>
+            <a:off x="4783981" y="611957"/>
+            <a:ext cx="7056784" cy="216726"/>
+          </a:xfrm>
+          <a:prstGeom prst="rect">
+            <a:avLst/>
+          </a:prstGeom>
+          <a:noFill/>
+        </p:spPr>
+        <p:txBody>
+          <a:bodyPr wrap="square" lIns="0" tIns="0" rIns="0" bIns="0" rtlCol="0" anchor="t">
+            <a:spAutoFit/>
+          </a:bodyPr>
+          <a:lstStyle/>
+          <a:p>
+            <a:pPr>
+              <a:lnSpc>
+                <a:spcPct val="150000"/>
+              </a:lnSpc>
+            </a:pPr>
+            <a:endParaRPr lang="en-US" altLang="ko-KR" sz="1050" dirty="0">
+              <a:solidFill>
+                <a:schemeClr val="bg1"/>
+              </a:solidFill>
+              <a:latin typeface="Noto Sans CJK KR Medium" panose="020B0600000000000000" pitchFamily="34" charset="-127"/>
+              <a:ea typeface="Noto Sans CJK KR Medium" panose="020B0600000000000000" pitchFamily="34" charset="-127"/>
+            </a:endParaRPr>
+          </a:p>
+        </p:txBody>
+      </p:sp>
     </p:spTree>
     <p:extLst>
       <p:ext uri="{BB962C8B-B14F-4D97-AF65-F5344CB8AC3E}">
-        <p14:creationId xmlns:p14="http://schemas.microsoft.com/office/powerpoint/2010/main" val="2877754834"/>
+        <p14:creationId xmlns:p14="http://schemas.microsoft.com/office/powerpoint/2010/main" val="3339102357"/>
       </p:ext>
     </p:extLst>
   </p:cSld>
@@ -7339,16 +7387,6 @@
 <file path=ppt/slides/slide3.xml><?xml version="1.0" encoding="utf-8"?>
 <p:sld xmlns:a="http://schemas.openxmlformats.org/drawingml/2006/main" xmlns:r="http://schemas.openxmlformats.org/officeDocument/2006/relationships" xmlns:p="http://schemas.openxmlformats.org/presentationml/2006/main">
   <p:cSld>
-    <p:bg>
-      <p:bgPr>
-        <a:solidFill>
-          <a:schemeClr val="bg1">
-            <a:lumMod val="65000"/>
-          </a:schemeClr>
-        </a:solidFill>
-        <a:effectLst/>
-      </p:bgPr>
-    </p:bg>
     <p:spTree>
       <p:nvGrpSpPr>
         <p:cNvPr id="1" name=""/>
@@ -7365,7 +7403,7 @@
       </p:grpSpPr>
       <p:sp>
         <p:nvSpPr>
-          <p:cNvPr id="4" name="슬라이드 번호 개체 틀 3"/>
+          <p:cNvPr id="15" name="슬라이드 번호 개체 틀 14"/>
           <p:cNvSpPr>
             <a:spLocks noGrp="1"/>
           </p:cNvSpPr>
@@ -7387,187 +7425,70 @@
           </a:p>
         </p:txBody>
       </p:sp>
-      <p:sp>
-        <p:nvSpPr>
-          <p:cNvPr id="11" name="TextBox 10"/>
-          <p:cNvSpPr txBox="1"/>
+      <p:pic>
+        <p:nvPicPr>
+          <p:cNvPr id="7" name="그림 6">
+            <a:extLst>
+              <a:ext uri="{FF2B5EF4-FFF2-40B4-BE49-F238E27FC236}">
+                <a16:creationId xmlns:a16="http://schemas.microsoft.com/office/drawing/2014/main" id="{6E8D5FA4-ABD2-4B1C-ACC2-B8C623ED3AD3}"/>
+              </a:ext>
+            </a:extLst>
+          </p:cNvPr>
+          <p:cNvPicPr>
+            <a:picLocks noChangeAspect="1"/>
+          </p:cNvPicPr>
           <p:nvPr/>
-        </p:nvSpPr>
-        <p:spPr>
-          <a:xfrm>
-            <a:off x="542135" y="855851"/>
-            <a:ext cx="11082606" cy="2031325"/>
+        </p:nvPicPr>
+        <p:blipFill>
+          <a:blip r:embed="rId2"/>
+          <a:stretch>
+            <a:fillRect/>
+          </a:stretch>
+        </p:blipFill>
+        <p:spPr>
+          <a:xfrm>
+            <a:off x="2191693" y="971997"/>
+            <a:ext cx="3533775" cy="5286375"/>
           </a:xfrm>
           <a:prstGeom prst="rect">
             <a:avLst/>
           </a:prstGeom>
-          <a:solidFill>
-            <a:schemeClr val="bg1">
-              <a:lumMod val="65000"/>
-            </a:schemeClr>
-          </a:solidFill>
-        </p:spPr>
-        <p:txBody>
-          <a:bodyPr wrap="square" lIns="0" tIns="0" rIns="0" bIns="0" rtlCol="0" anchor="t">
-            <a:spAutoFit/>
-          </a:bodyPr>
-          <a:lstStyle/>
-          <a:p>
-            <a:r>
-              <a:rPr lang="en-US" altLang="ko-KR" sz="4400" dirty="0">
-                <a:solidFill>
-                  <a:schemeClr val="bg1"/>
-                </a:solidFill>
-                <a:latin typeface="Noto Sans CJK KR Black" panose="020B0A00000000000000" pitchFamily="34" charset="-127"/>
-                <a:ea typeface="Noto Sans CJK KR Black" panose="020B0A00000000000000" pitchFamily="34" charset="-127"/>
-              </a:rPr>
-              <a:t>Part3: 8</a:t>
-            </a:r>
-            <a:r>
-              <a:rPr lang="ko-KR" altLang="en-US" sz="4400" dirty="0" err="1">
-                <a:solidFill>
-                  <a:schemeClr val="bg1"/>
-                </a:solidFill>
-                <a:latin typeface="Noto Sans CJK KR Black" panose="020B0A00000000000000" pitchFamily="34" charset="-127"/>
-                <a:ea typeface="Noto Sans CJK KR Black" panose="020B0A00000000000000" pitchFamily="34" charset="-127"/>
-              </a:rPr>
-              <a:t>회차</a:t>
-            </a:r>
-            <a:r>
-              <a:rPr lang="ko-KR" altLang="en-US" sz="4400" dirty="0">
-                <a:solidFill>
-                  <a:schemeClr val="bg1"/>
-                </a:solidFill>
-                <a:latin typeface="Noto Sans CJK KR Black" panose="020B0A00000000000000" pitchFamily="34" charset="-127"/>
-                <a:ea typeface="Noto Sans CJK KR Black" panose="020B0A00000000000000" pitchFamily="34" charset="-127"/>
-              </a:rPr>
-              <a:t> 강의의 목적</a:t>
-            </a:r>
-            <a:r>
-              <a:rPr lang="en-US" altLang="ko-KR" sz="4400" dirty="0">
-                <a:solidFill>
-                  <a:schemeClr val="bg1"/>
-                </a:solidFill>
-                <a:latin typeface="Noto Sans CJK KR Black" panose="020B0A00000000000000" pitchFamily="34" charset="-127"/>
-                <a:ea typeface="Noto Sans CJK KR Black" panose="020B0A00000000000000" pitchFamily="34" charset="-127"/>
-              </a:rPr>
-              <a:t>.</a:t>
-            </a:r>
-          </a:p>
-          <a:p>
-            <a:endParaRPr lang="en-US" altLang="ko-KR" sz="4400" dirty="0">
-              <a:solidFill>
-                <a:schemeClr val="bg1"/>
-              </a:solidFill>
-              <a:latin typeface="Noto Sans CJK KR Black" panose="020B0A00000000000000" pitchFamily="34" charset="-127"/>
-              <a:ea typeface="Noto Sans CJK KR Black" panose="020B0A00000000000000" pitchFamily="34" charset="-127"/>
-            </a:endParaRPr>
-          </a:p>
-          <a:p>
-            <a:r>
-              <a:rPr lang="en-US" altLang="ko-KR" sz="4400" dirty="0">
-                <a:solidFill>
-                  <a:schemeClr val="bg1"/>
-                </a:solidFill>
-                <a:latin typeface="Noto Sans CJK KR Black" panose="020B0A00000000000000" pitchFamily="34" charset="-127"/>
-                <a:ea typeface="Noto Sans CJK KR Black" panose="020B0A00000000000000" pitchFamily="34" charset="-127"/>
-              </a:rPr>
-              <a:t>“</a:t>
-            </a:r>
-            <a:r>
-              <a:rPr lang="ko-KR" altLang="en-US" sz="4400" dirty="0">
-                <a:solidFill>
-                  <a:schemeClr val="bg1"/>
-                </a:solidFill>
-                <a:latin typeface="Noto Sans CJK KR Black" pitchFamily="34" charset="-127"/>
-                <a:ea typeface="Noto Sans CJK KR Black" pitchFamily="34" charset="-127"/>
-              </a:rPr>
-              <a:t>비선형</a:t>
-            </a:r>
-            <a:r>
-              <a:rPr lang="en-US" altLang="ko-KR" sz="4400" dirty="0">
-                <a:solidFill>
-                  <a:schemeClr val="bg1"/>
-                </a:solidFill>
-                <a:latin typeface="Noto Sans CJK KR Black" pitchFamily="34" charset="-127"/>
-                <a:ea typeface="Noto Sans CJK KR Black" pitchFamily="34" charset="-127"/>
-              </a:rPr>
-              <a:t>/</a:t>
-            </a:r>
-            <a:r>
-              <a:rPr lang="ko-KR" altLang="en-US" sz="4400" dirty="0" err="1">
-                <a:solidFill>
-                  <a:schemeClr val="bg1"/>
-                </a:solidFill>
-                <a:latin typeface="Noto Sans CJK KR Black" pitchFamily="34" charset="-127"/>
-                <a:ea typeface="Noto Sans CJK KR Black" pitchFamily="34" charset="-127"/>
-              </a:rPr>
-              <a:t>다변량</a:t>
-            </a:r>
-            <a:r>
-              <a:rPr lang="ko-KR" altLang="en-US" sz="4400" dirty="0">
-                <a:solidFill>
-                  <a:schemeClr val="bg1"/>
-                </a:solidFill>
-                <a:latin typeface="Noto Sans CJK KR Black" pitchFamily="34" charset="-127"/>
-                <a:ea typeface="Noto Sans CJK KR Black" pitchFamily="34" charset="-127"/>
-              </a:rPr>
-              <a:t> 시계열분석 완성</a:t>
-            </a:r>
-            <a:r>
-              <a:rPr lang="en-US" altLang="ko-KR" sz="4400" dirty="0">
-                <a:solidFill>
-                  <a:schemeClr val="bg1"/>
-                </a:solidFill>
-                <a:latin typeface="Noto Sans CJK KR Black" pitchFamily="34" charset="-127"/>
-                <a:ea typeface="Noto Sans CJK KR Black" pitchFamily="34" charset="-127"/>
-              </a:rPr>
-              <a:t>”</a:t>
-            </a:r>
-          </a:p>
-        </p:txBody>
-      </p:sp>
-      <p:sp>
-        <p:nvSpPr>
-          <p:cNvPr id="12" name="TextBox 11"/>
-          <p:cNvSpPr txBox="1"/>
+        </p:spPr>
+      </p:pic>
+      <p:pic>
+        <p:nvPicPr>
+          <p:cNvPr id="8" name="그림 7">
+            <a:extLst>
+              <a:ext uri="{FF2B5EF4-FFF2-40B4-BE49-F238E27FC236}">
+                <a16:creationId xmlns:a16="http://schemas.microsoft.com/office/drawing/2014/main" id="{737B9843-6A2D-4A9A-AC4A-3D219AA2ECFC}"/>
+              </a:ext>
+            </a:extLst>
+          </p:cNvPr>
+          <p:cNvPicPr>
+            <a:picLocks noChangeAspect="1"/>
+          </p:cNvPicPr>
           <p:nvPr/>
-        </p:nvSpPr>
-        <p:spPr>
-          <a:xfrm>
-            <a:off x="4783981" y="611957"/>
-            <a:ext cx="7056784" cy="216726"/>
+        </p:nvPicPr>
+        <p:blipFill>
+          <a:blip r:embed="rId3"/>
+          <a:stretch>
+            <a:fillRect/>
+          </a:stretch>
+        </p:blipFill>
+        <p:spPr>
+          <a:xfrm>
+            <a:off x="6584181" y="1514921"/>
+            <a:ext cx="3800475" cy="4200525"/>
           </a:xfrm>
           <a:prstGeom prst="rect">
             <a:avLst/>
           </a:prstGeom>
-          <a:noFill/>
-        </p:spPr>
-        <p:txBody>
-          <a:bodyPr wrap="square" lIns="0" tIns="0" rIns="0" bIns="0" rtlCol="0" anchor="t">
-            <a:spAutoFit/>
-          </a:bodyPr>
-          <a:lstStyle/>
-          <a:p>
-            <a:pPr>
-              <a:lnSpc>
-                <a:spcPct val="150000"/>
-              </a:lnSpc>
-            </a:pPr>
-            <a:endParaRPr lang="en-US" altLang="ko-KR" sz="1050" dirty="0">
-              <a:solidFill>
-                <a:schemeClr val="bg1"/>
-              </a:solidFill>
-              <a:latin typeface="Noto Sans CJK KR Medium" panose="020B0600000000000000" pitchFamily="34" charset="-127"/>
-              <a:ea typeface="Noto Sans CJK KR Medium" panose="020B0600000000000000" pitchFamily="34" charset="-127"/>
-            </a:endParaRPr>
-          </a:p>
-        </p:txBody>
-      </p:sp>
+        </p:spPr>
+      </p:pic>
     </p:spTree>
     <p:extLst>
       <p:ext uri="{BB962C8B-B14F-4D97-AF65-F5344CB8AC3E}">
-        <p14:creationId xmlns:p14="http://schemas.microsoft.com/office/powerpoint/2010/main" val="3339102357"/>
+        <p14:creationId xmlns:p14="http://schemas.microsoft.com/office/powerpoint/2010/main" val="2877754834"/>
       </p:ext>
     </p:extLst>
   </p:cSld>
